--- a/sessions/01. Keynote/monkeyconf-keynote.pptx
+++ b/sessions/01. Keynote/monkeyconf-keynote.pptx
@@ -2598,7 +2598,7 @@
                 <a:cs typeface="Segoe UI" panose="020B0502040204020203" pitchFamily="34" charset="0"/>
                 <a:sym typeface="Roboto"/>
               </a:rPr>
-              <a:t> 2022</a:t>
+              <a:t> 2023</a:t>
             </a:r>
             <a:endParaRPr lang="en" sz="3800" dirty="0">
               <a:solidFill>
@@ -2828,6 +2828,20 @@
             <a:r>
               <a:rPr lang="es-ES" sz="2025" dirty="0"/>
               <a:t>Tendremos 7 sesiones técnicas de 40 minutos cada una.</a:t>
+            </a:r>
+          </a:p>
+          <a:p>
+            <a:pPr marL="285732" indent="-285732"/>
+            <a:r>
+              <a:rPr lang="es-ES" sz="2025" dirty="0"/>
+              <a:t>6 sesiones en español, una en inglés.</a:t>
+            </a:r>
+          </a:p>
+          <a:p>
+            <a:pPr marL="285732" indent="-285732"/>
+            <a:r>
+              <a:rPr lang="es-ES" sz="2025" dirty="0"/>
+              <a:t>Hay tiempo reservado para preguntas.</a:t>
             </a:r>
           </a:p>
         </p:txBody>
